--- a/modernAssets/images/cover-three.pptx
+++ b/modernAssets/images/cover-three.pptx
@@ -2987,13 +2987,13 @@
         </p:nvPicPr>
         <p:blipFill rotWithShape="1">
           <a:blip r:embed="rId2"/>
-          <a:srcRect r="17045" b="20375"/>
+          <a:srcRect r="17045" b="34581"/>
           <a:stretch/>
         </p:blipFill>
         <p:spPr>
           <a:xfrm>
-            <a:off x="282760" y="3463688"/>
-            <a:ext cx="5459311" cy="2854307"/>
+            <a:off x="882440" y="3699450"/>
+            <a:ext cx="5040000" cy="2164951"/>
           </a:xfrm>
           <a:prstGeom prst="rect">
             <a:avLst/>
@@ -3026,13 +3026,13 @@
               </a:ext>
             </a:extLst>
           </a:blip>
-          <a:srcRect b="24323"/>
+          <a:srcRect t="1" b="32518"/>
           <a:stretch/>
         </p:blipFill>
         <p:spPr>
           <a:xfrm>
-            <a:off x="6003150" y="531591"/>
-            <a:ext cx="5770770" cy="2766428"/>
+            <a:off x="6266400" y="993599"/>
+            <a:ext cx="5040000" cy="2154458"/>
           </a:xfrm>
           <a:prstGeom prst="rect">
             <a:avLst/>
@@ -3059,13 +3059,13 @@
         </p:nvPicPr>
         <p:blipFill rotWithShape="1">
           <a:blip r:embed="rId4"/>
-          <a:srcRect b="37796"/>
+          <a:srcRect t="-1" b="45795"/>
           <a:stretch/>
         </p:blipFill>
         <p:spPr>
           <a:xfrm>
-            <a:off x="6003150" y="3463688"/>
-            <a:ext cx="5774405" cy="2846369"/>
+            <a:off x="6266400" y="3699449"/>
+            <a:ext cx="5040000" cy="2164951"/>
           </a:xfrm>
           <a:prstGeom prst="rect">
             <a:avLst/>
@@ -3092,13 +3092,13 @@
         </p:nvPicPr>
         <p:blipFill rotWithShape="1">
           <a:blip r:embed="rId5"/>
-          <a:srcRect b="35143"/>
+          <a:srcRect t="-1" b="45366"/>
           <a:stretch/>
         </p:blipFill>
         <p:spPr>
           <a:xfrm>
-            <a:off x="282760" y="531591"/>
-            <a:ext cx="5467250" cy="2774366"/>
+            <a:off x="885600" y="993600"/>
+            <a:ext cx="5040000" cy="2154457"/>
           </a:xfrm>
           <a:prstGeom prst="rect">
             <a:avLst/>
